--- a/07pat/ECDLhierachy.pptx
+++ b/07pat/ECDLhierachy.pptx
@@ -10211,7 +10211,7 @@
           <a:blip r:embed="rId2" cstate="print">
             <a:extLst>
               <a:ext uri="{28A0092B-C50C-407E-A947-70E740481C1C}">
-                <a14:useLocalDpi xmlns:a14="http://schemas.microsoft.com/office/drawing/2010/main" xmlns="" val="0"/>
+                <a14:useLocalDpi xmlns="" xmlns:a14="http://schemas.microsoft.com/office/drawing/2010/main" val="0"/>
               </a:ext>
             </a:extLst>
           </a:blip>
@@ -10229,7 +10229,7 @@
           <a:noFill/>
           <a:extLst>
             <a:ext uri="{909E8E84-426E-40DD-AFC4-6F175D3DCCD1}">
-              <a14:hiddenFill xmlns:a14="http://schemas.microsoft.com/office/drawing/2010/main" xmlns="">
+              <a14:hiddenFill xmlns="" xmlns:a14="http://schemas.microsoft.com/office/drawing/2010/main">
                 <a:solidFill>
                   <a:srgbClr val="FFFFFF"/>
                 </a:solidFill>
@@ -10775,7 +10775,7 @@
           <a:blip r:embed="rId2" cstate="print">
             <a:extLst>
               <a:ext uri="{28A0092B-C50C-407E-A947-70E740481C1C}">
-                <a14:useLocalDpi xmlns:a14="http://schemas.microsoft.com/office/drawing/2010/main" xmlns="" val="0"/>
+                <a14:useLocalDpi xmlns="" xmlns:a14="http://schemas.microsoft.com/office/drawing/2010/main" val="0"/>
               </a:ext>
             </a:extLst>
           </a:blip>
@@ -10793,7 +10793,7 @@
           <a:noFill/>
           <a:extLst>
             <a:ext uri="{909E8E84-426E-40DD-AFC4-6F175D3DCCD1}">
-              <a14:hiddenFill xmlns:a14="http://schemas.microsoft.com/office/drawing/2010/main" xmlns="">
+              <a14:hiddenFill xmlns="" xmlns:a14="http://schemas.microsoft.com/office/drawing/2010/main">
                 <a:solidFill>
                   <a:srgbClr val="FFFFFF"/>
                 </a:solidFill>
@@ -13363,7 +13363,7 @@
     </p:spTree>
     <p:extLst>
       <p:ext uri="{BB962C8B-B14F-4D97-AF65-F5344CB8AC3E}">
-        <p14:creationId xmlns:p14="http://schemas.microsoft.com/office/powerpoint/2010/main" xmlns="" val="4082318503"/>
+        <p14:creationId xmlns="" xmlns:p14="http://schemas.microsoft.com/office/powerpoint/2010/main" val="4082318503"/>
       </p:ext>
     </p:extLst>
   </p:cSld>
@@ -13514,7 +13514,7 @@
           <a:blip r:embed="rId2" cstate="print">
             <a:extLst>
               <a:ext uri="{28A0092B-C50C-407E-A947-70E740481C1C}">
-                <a14:useLocalDpi xmlns:a14="http://schemas.microsoft.com/office/drawing/2010/main" xmlns="" val="0"/>
+                <a14:useLocalDpi xmlns="" xmlns:a14="http://schemas.microsoft.com/office/drawing/2010/main" val="0"/>
               </a:ext>
             </a:extLst>
           </a:blip>
@@ -13534,7 +13534,7 @@
           <a:noFill/>
           <a:extLst>
             <a:ext uri="{909E8E84-426E-40DD-AFC4-6F175D3DCCD1}">
-              <a14:hiddenFill xmlns:a14="http://schemas.microsoft.com/office/drawing/2010/main" xmlns="">
+              <a14:hiddenFill xmlns="" xmlns:a14="http://schemas.microsoft.com/office/drawing/2010/main">
                 <a:solidFill>
                   <a:srgbClr val="FFFFFF"/>
                 </a:solidFill>
@@ -13546,7 +13546,7 @@
     </p:spTree>
     <p:extLst>
       <p:ext uri="{BB962C8B-B14F-4D97-AF65-F5344CB8AC3E}">
-        <p14:creationId xmlns:p14="http://schemas.microsoft.com/office/powerpoint/2010/main" xmlns="" val="1616724772"/>
+        <p14:creationId xmlns="" xmlns:p14="http://schemas.microsoft.com/office/powerpoint/2010/main" val="1616724772"/>
       </p:ext>
     </p:extLst>
   </p:cSld>
@@ -14492,7 +14492,6 @@
               <a:rPr lang="en-GB" sz="2800" dirty="0" smtClean="0"/>
               <a:t>placeholder</a:t>
             </a:r>
-            <a:endParaRPr lang="en-GB" sz="2800" dirty="0" smtClean="0"/>
           </a:p>
           <a:p>
             <a:pPr marL="0" indent="0">
@@ -14520,7 +14519,7 @@
           <a:blip r:embed="rId2" cstate="print">
             <a:extLst>
               <a:ext uri="{28A0092B-C50C-407E-A947-70E740481C1C}">
-                <a14:useLocalDpi xmlns:a14="http://schemas.microsoft.com/office/drawing/2010/main" xmlns="" val="0"/>
+                <a14:useLocalDpi xmlns="" xmlns:a14="http://schemas.microsoft.com/office/drawing/2010/main" val="0"/>
               </a:ext>
             </a:extLst>
           </a:blip>
@@ -14540,7 +14539,7 @@
           <a:noFill/>
           <a:extLst>
             <a:ext uri="{909E8E84-426E-40DD-AFC4-6F175D3DCCD1}">
-              <a14:hiddenFill xmlns:a14="http://schemas.microsoft.com/office/drawing/2010/main" xmlns="">
+              <a14:hiddenFill xmlns="" xmlns:a14="http://schemas.microsoft.com/office/drawing/2010/main">
                 <a:solidFill>
                   <a:srgbClr val="FFFFFF"/>
                 </a:solidFill>
@@ -14552,7 +14551,7 @@
     </p:spTree>
     <p:extLst>
       <p:ext uri="{BB962C8B-B14F-4D97-AF65-F5344CB8AC3E}">
-        <p14:creationId xmlns:p14="http://schemas.microsoft.com/office/powerpoint/2010/main" xmlns="" val="970620059"/>
+        <p14:creationId xmlns="" xmlns:p14="http://schemas.microsoft.com/office/powerpoint/2010/main" val="970620059"/>
       </p:ext>
     </p:extLst>
   </p:cSld>
@@ -14675,7 +14674,7 @@
           <a:blip r:embed="rId2" cstate="print">
             <a:extLst>
               <a:ext uri="{28A0092B-C50C-407E-A947-70E740481C1C}">
-                <a14:useLocalDpi xmlns:a14="http://schemas.microsoft.com/office/drawing/2010/main" xmlns="" val="0"/>
+                <a14:useLocalDpi xmlns="" xmlns:a14="http://schemas.microsoft.com/office/drawing/2010/main" val="0"/>
               </a:ext>
             </a:extLst>
           </a:blip>
@@ -14695,7 +14694,7 @@
           <a:noFill/>
           <a:extLst>
             <a:ext uri="{909E8E84-426E-40DD-AFC4-6F175D3DCCD1}">
-              <a14:hiddenFill xmlns:a14="http://schemas.microsoft.com/office/drawing/2010/main" xmlns="">
+              <a14:hiddenFill xmlns="" xmlns:a14="http://schemas.microsoft.com/office/drawing/2010/main">
                 <a:solidFill>
                   <a:srgbClr val="FFFFFF"/>
                 </a:solidFill>
@@ -14711,7 +14710,7 @@
           <p:nvPr>
             <p:extLst>
               <p:ext uri="{D42A27DB-BD31-4B8C-83A1-F6EECF244321}">
-                <p14:modId xmlns:p14="http://schemas.microsoft.com/office/powerpoint/2010/main" xmlns="" val="3784171291"/>
+                <p14:modId xmlns="" xmlns:p14="http://schemas.microsoft.com/office/powerpoint/2010/main" val="3784171291"/>
               </p:ext>
             </p:extLst>
           </p:nvPr>
@@ -14729,7 +14728,7 @@
     </p:spTree>
     <p:extLst>
       <p:ext uri="{BB962C8B-B14F-4D97-AF65-F5344CB8AC3E}">
-        <p14:creationId xmlns:p14="http://schemas.microsoft.com/office/powerpoint/2010/main" xmlns="" val="588990593"/>
+        <p14:creationId xmlns="" xmlns:p14="http://schemas.microsoft.com/office/powerpoint/2010/main" val="588990593"/>
       </p:ext>
     </p:extLst>
   </p:cSld>
@@ -14827,7 +14826,7 @@
           <a:blip r:embed="rId2" cstate="print">
             <a:extLst>
               <a:ext uri="{28A0092B-C50C-407E-A947-70E740481C1C}">
-                <a14:useLocalDpi xmlns:a14="http://schemas.microsoft.com/office/drawing/2010/main" xmlns="" val="0"/>
+                <a14:useLocalDpi xmlns="" xmlns:a14="http://schemas.microsoft.com/office/drawing/2010/main" val="0"/>
               </a:ext>
             </a:extLst>
           </a:blip>
@@ -14847,7 +14846,7 @@
           <a:noFill/>
           <a:extLst>
             <a:ext uri="{909E8E84-426E-40DD-AFC4-6F175D3DCCD1}">
-              <a14:hiddenFill xmlns:a14="http://schemas.microsoft.com/office/drawing/2010/main" xmlns="">
+              <a14:hiddenFill xmlns="" xmlns:a14="http://schemas.microsoft.com/office/drawing/2010/main">
                 <a:solidFill>
                   <a:srgbClr val="FFFFFF"/>
                 </a:solidFill>
@@ -14863,7 +14862,7 @@
           <p:nvPr>
             <p:extLst>
               <p:ext uri="{D42A27DB-BD31-4B8C-83A1-F6EECF244321}">
-                <p14:modId xmlns:p14="http://schemas.microsoft.com/office/powerpoint/2010/main" xmlns="" val="749229997"/>
+                <p14:modId xmlns="" xmlns:p14="http://schemas.microsoft.com/office/powerpoint/2010/main" val="749229997"/>
               </p:ext>
             </p:extLst>
           </p:nvPr>
@@ -14881,7 +14880,7 @@
     </p:spTree>
     <p:extLst>
       <p:ext uri="{BB962C8B-B14F-4D97-AF65-F5344CB8AC3E}">
-        <p14:creationId xmlns:p14="http://schemas.microsoft.com/office/powerpoint/2010/main" xmlns="" val="596547194"/>
+        <p14:creationId xmlns="" xmlns:p14="http://schemas.microsoft.com/office/powerpoint/2010/main" val="596547194"/>
       </p:ext>
     </p:extLst>
   </p:cSld>
@@ -14931,8 +14930,8 @@
           <a:lstStyle/>
           <a:p>
             <a:r>
-              <a:rPr lang="en-GB" dirty="0" smtClean="0"/>
-              <a:t>Review</a:t>
+              <a:rPr lang="en-GB" smtClean="0"/>
+              <a:t>Plenary</a:t>
             </a:r>
             <a:endParaRPr lang="en-GB" dirty="0"/>
           </a:p>
@@ -15014,7 +15013,7 @@
           <a:blip r:embed="rId2" cstate="print">
             <a:extLst>
               <a:ext uri="{28A0092B-C50C-407E-A947-70E740481C1C}">
-                <a14:useLocalDpi xmlns:a14="http://schemas.microsoft.com/office/drawing/2010/main" xmlns="" val="0"/>
+                <a14:useLocalDpi xmlns="" xmlns:a14="http://schemas.microsoft.com/office/drawing/2010/main" val="0"/>
               </a:ext>
             </a:extLst>
           </a:blip>
@@ -15034,7 +15033,7 @@
           <a:noFill/>
           <a:extLst>
             <a:ext uri="{909E8E84-426E-40DD-AFC4-6F175D3DCCD1}">
-              <a14:hiddenFill xmlns:a14="http://schemas.microsoft.com/office/drawing/2010/main" xmlns="">
+              <a14:hiddenFill xmlns="" xmlns:a14="http://schemas.microsoft.com/office/drawing/2010/main">
                 <a:solidFill>
                   <a:srgbClr val="FFFFFF"/>
                 </a:solidFill>
@@ -15046,7 +15045,7 @@
     </p:spTree>
     <p:extLst>
       <p:ext uri="{BB962C8B-B14F-4D97-AF65-F5344CB8AC3E}">
-        <p14:creationId xmlns:p14="http://schemas.microsoft.com/office/powerpoint/2010/main" xmlns="" val="3258433848"/>
+        <p14:creationId xmlns="" xmlns:p14="http://schemas.microsoft.com/office/powerpoint/2010/main" val="3258433848"/>
       </p:ext>
     </p:extLst>
   </p:cSld>
@@ -15189,7 +15188,7 @@
           <a:blip r:embed="rId2" cstate="print">
             <a:extLst>
               <a:ext uri="{BEBA8EAE-BF5A-486C-A8C5-ECC9F3942E4B}">
-                <a14:imgProps xmlns:a14="http://schemas.microsoft.com/office/drawing/2010/main" xmlns="">
+                <a14:imgProps xmlns="" xmlns:a14="http://schemas.microsoft.com/office/drawing/2010/main">
                   <a14:imgLayer r:embed="rId3">
                     <a14:imgEffect>
                       <a14:backgroundRemoval t="0" b="100000" l="0" r="92662">
@@ -15205,7 +15204,7 @@
                 </a14:imgProps>
               </a:ext>
               <a:ext uri="{28A0092B-C50C-407E-A947-70E740481C1C}">
-                <a14:useLocalDpi xmlns:a14="http://schemas.microsoft.com/office/drawing/2010/main" xmlns="" val="0"/>
+                <a14:useLocalDpi xmlns="" xmlns:a14="http://schemas.microsoft.com/office/drawing/2010/main" val="0"/>
               </a:ext>
             </a:extLst>
           </a:blip>
@@ -15223,7 +15222,7 @@
           <a:noFill/>
           <a:extLst>
             <a:ext uri="{909E8E84-426E-40DD-AFC4-6F175D3DCCD1}">
-              <a14:hiddenFill xmlns:a14="http://schemas.microsoft.com/office/drawing/2010/main" xmlns="">
+              <a14:hiddenFill xmlns="" xmlns:a14="http://schemas.microsoft.com/office/drawing/2010/main">
                 <a:solidFill>
                   <a:srgbClr val="FFFFFF"/>
                 </a:solidFill>
@@ -15235,7 +15234,7 @@
     </p:spTree>
     <p:extLst>
       <p:ext uri="{BB962C8B-B14F-4D97-AF65-F5344CB8AC3E}">
-        <p14:creationId xmlns:p14="http://schemas.microsoft.com/office/powerpoint/2010/main" xmlns="" val="544654409"/>
+        <p14:creationId xmlns="" xmlns:p14="http://schemas.microsoft.com/office/powerpoint/2010/main" val="544654409"/>
       </p:ext>
     </p:extLst>
   </p:cSld>
